--- a/pwr_living_norway.pptx
+++ b/pwr_living_norway.pptx
@@ -273,7 +273,7 @@
           <a:p>
             <a:fld id="{8DFB0232-FD89-48C1-83CD-0EBF897E6097}" type="datetimeFigureOut">
               <a:rPr lang="en-GB" smtClean="0"/>
-              <a:t>01/10/2020</a:t>
+              <a:t>09/10/2020</a:t>
             </a:fld>
             <a:endParaRPr lang="en-GB"/>
           </a:p>
@@ -473,7 +473,7 @@
           <a:p>
             <a:fld id="{8DFB0232-FD89-48C1-83CD-0EBF897E6097}" type="datetimeFigureOut">
               <a:rPr lang="en-GB" smtClean="0"/>
-              <a:t>01/10/2020</a:t>
+              <a:t>09/10/2020</a:t>
             </a:fld>
             <a:endParaRPr lang="en-GB"/>
           </a:p>
@@ -683,7 +683,7 @@
           <a:p>
             <a:fld id="{8DFB0232-FD89-48C1-83CD-0EBF897E6097}" type="datetimeFigureOut">
               <a:rPr lang="en-GB" smtClean="0"/>
-              <a:t>01/10/2020</a:t>
+              <a:t>09/10/2020</a:t>
             </a:fld>
             <a:endParaRPr lang="en-GB"/>
           </a:p>
@@ -883,7 +883,7 @@
           <a:p>
             <a:fld id="{8DFB0232-FD89-48C1-83CD-0EBF897E6097}" type="datetimeFigureOut">
               <a:rPr lang="en-GB" smtClean="0"/>
-              <a:t>01/10/2020</a:t>
+              <a:t>09/10/2020</a:t>
             </a:fld>
             <a:endParaRPr lang="en-GB"/>
           </a:p>
@@ -1159,7 +1159,7 @@
           <a:p>
             <a:fld id="{8DFB0232-FD89-48C1-83CD-0EBF897E6097}" type="datetimeFigureOut">
               <a:rPr lang="en-GB" smtClean="0"/>
-              <a:t>01/10/2020</a:t>
+              <a:t>09/10/2020</a:t>
             </a:fld>
             <a:endParaRPr lang="en-GB"/>
           </a:p>
@@ -1427,7 +1427,7 @@
           <a:p>
             <a:fld id="{8DFB0232-FD89-48C1-83CD-0EBF897E6097}" type="datetimeFigureOut">
               <a:rPr lang="en-GB" smtClean="0"/>
-              <a:t>01/10/2020</a:t>
+              <a:t>09/10/2020</a:t>
             </a:fld>
             <a:endParaRPr lang="en-GB"/>
           </a:p>
@@ -1842,7 +1842,7 @@
           <a:p>
             <a:fld id="{8DFB0232-FD89-48C1-83CD-0EBF897E6097}" type="datetimeFigureOut">
               <a:rPr lang="en-GB" smtClean="0"/>
-              <a:t>01/10/2020</a:t>
+              <a:t>09/10/2020</a:t>
             </a:fld>
             <a:endParaRPr lang="en-GB"/>
           </a:p>
@@ -1984,7 +1984,7 @@
           <a:p>
             <a:fld id="{8DFB0232-FD89-48C1-83CD-0EBF897E6097}" type="datetimeFigureOut">
               <a:rPr lang="en-GB" smtClean="0"/>
-              <a:t>01/10/2020</a:t>
+              <a:t>09/10/2020</a:t>
             </a:fld>
             <a:endParaRPr lang="en-GB"/>
           </a:p>
@@ -2097,7 +2097,7 @@
           <a:p>
             <a:fld id="{8DFB0232-FD89-48C1-83CD-0EBF897E6097}" type="datetimeFigureOut">
               <a:rPr lang="en-GB" smtClean="0"/>
-              <a:t>01/10/2020</a:t>
+              <a:t>09/10/2020</a:t>
             </a:fld>
             <a:endParaRPr lang="en-GB"/>
           </a:p>
@@ -2410,7 +2410,7 @@
           <a:p>
             <a:fld id="{8DFB0232-FD89-48C1-83CD-0EBF897E6097}" type="datetimeFigureOut">
               <a:rPr lang="en-GB" smtClean="0"/>
-              <a:t>01/10/2020</a:t>
+              <a:t>09/10/2020</a:t>
             </a:fld>
             <a:endParaRPr lang="en-GB"/>
           </a:p>
@@ -2699,7 +2699,7 @@
           <a:p>
             <a:fld id="{8DFB0232-FD89-48C1-83CD-0EBF897E6097}" type="datetimeFigureOut">
               <a:rPr lang="en-GB" smtClean="0"/>
-              <a:t>01/10/2020</a:t>
+              <a:t>09/10/2020</a:t>
             </a:fld>
             <a:endParaRPr lang="en-GB"/>
           </a:p>
@@ -2942,7 +2942,7 @@
           <a:p>
             <a:fld id="{8DFB0232-FD89-48C1-83CD-0EBF897E6097}" type="datetimeFigureOut">
               <a:rPr lang="en-GB" smtClean="0"/>
-              <a:t>01/10/2020</a:t>
+              <a:t>09/10/2020</a:t>
             </a:fld>
             <a:endParaRPr lang="en-GB"/>
           </a:p>
@@ -4255,6 +4255,89 @@
           </a:p>
         </p:txBody>
       </p:sp>
+      <p:cxnSp>
+        <p:nvCxnSpPr>
+          <p:cNvPr id="3" name="Straight Arrow Connector 2">
+            <a:extLst>
+              <a:ext uri="{FF2B5EF4-FFF2-40B4-BE49-F238E27FC236}">
+                <a16:creationId xmlns:a16="http://schemas.microsoft.com/office/drawing/2014/main" id="{DACEEAED-173C-4CBE-A9B7-DCD1FE2F9D35}"/>
+              </a:ext>
+            </a:extLst>
+          </p:cNvPr>
+          <p:cNvCxnSpPr>
+            <a:cxnSpLocks/>
+          </p:cNvCxnSpPr>
+          <p:nvPr/>
+        </p:nvCxnSpPr>
+        <p:spPr>
+          <a:xfrm>
+            <a:off x="5041392" y="3645408"/>
+            <a:ext cx="0" cy="920211"/>
+          </a:xfrm>
+          <a:prstGeom prst="straightConnector1">
+            <a:avLst/>
+          </a:prstGeom>
+          <a:ln w="76200">
+            <a:tailEnd type="triangle"/>
+          </a:ln>
+        </p:spPr>
+        <p:style>
+          <a:lnRef idx="1">
+            <a:schemeClr val="accent1"/>
+          </a:lnRef>
+          <a:fillRef idx="0">
+            <a:schemeClr val="accent1"/>
+          </a:fillRef>
+          <a:effectRef idx="0">
+            <a:schemeClr val="accent1"/>
+          </a:effectRef>
+          <a:fontRef idx="minor">
+            <a:schemeClr val="tx1"/>
+          </a:fontRef>
+        </p:style>
+      </p:cxnSp>
+      <p:sp>
+        <p:nvSpPr>
+          <p:cNvPr id="6" name="TextBox 5">
+            <a:extLst>
+              <a:ext uri="{FF2B5EF4-FFF2-40B4-BE49-F238E27FC236}">
+                <a16:creationId xmlns:a16="http://schemas.microsoft.com/office/drawing/2014/main" id="{71F09C83-BBC0-4C80-A99E-835C1525BF8C}"/>
+              </a:ext>
+            </a:extLst>
+          </p:cNvPr>
+          <p:cNvSpPr txBox="1"/>
+          <p:nvPr/>
+        </p:nvSpPr>
+        <p:spPr>
+          <a:xfrm>
+            <a:off x="4171385" y="4604681"/>
+            <a:ext cx="1740014" cy="646331"/>
+          </a:xfrm>
+          <a:prstGeom prst="rect">
+            <a:avLst/>
+          </a:prstGeom>
+          <a:noFill/>
+          <a:ln w="38100">
+            <a:solidFill>
+              <a:srgbClr val="FF0000"/>
+            </a:solidFill>
+            <a:prstDash val="sysDash"/>
+          </a:ln>
+        </p:spPr>
+        <p:txBody>
+          <a:bodyPr wrap="square" rtlCol="0">
+            <a:spAutoFit/>
+          </a:bodyPr>
+          <a:lstStyle/>
+          <a:p>
+            <a:pPr algn="ctr"/>
+            <a:r>
+              <a:rPr lang="en-GB" b="1" dirty="0"/>
+              <a:t>Data available on request</a:t>
+            </a:r>
+          </a:p>
+        </p:txBody>
+      </p:sp>
     </p:spTree>
     <p:extLst>
       <p:ext uri="{BB962C8B-B14F-4D97-AF65-F5344CB8AC3E}">
@@ -5389,6 +5472,174 @@
           </a:p>
         </p:txBody>
       </p:sp>
+      <p:sp>
+        <p:nvSpPr>
+          <p:cNvPr id="34" name="Arrow: Right 33">
+            <a:extLst>
+              <a:ext uri="{FF2B5EF4-FFF2-40B4-BE49-F238E27FC236}">
+                <a16:creationId xmlns:a16="http://schemas.microsoft.com/office/drawing/2014/main" id="{809959DF-1A84-42EB-870B-D22DAB091981}"/>
+              </a:ext>
+            </a:extLst>
+          </p:cNvPr>
+          <p:cNvSpPr/>
+          <p:nvPr/>
+        </p:nvSpPr>
+        <p:spPr>
+          <a:xfrm>
+            <a:off x="5492842" y="4815438"/>
+            <a:ext cx="1922447" cy="602595"/>
+          </a:xfrm>
+          <a:prstGeom prst="rightArrow">
+            <a:avLst/>
+          </a:prstGeom>
+          <a:solidFill>
+            <a:schemeClr val="accent3">
+              <a:lumMod val="75000"/>
+            </a:schemeClr>
+          </a:solidFill>
+          <a:ln>
+            <a:prstDash val="solid"/>
+          </a:ln>
+        </p:spPr>
+        <p:style>
+          <a:lnRef idx="2">
+            <a:schemeClr val="accent6">
+              <a:shade val="50000"/>
+            </a:schemeClr>
+          </a:lnRef>
+          <a:fillRef idx="1">
+            <a:schemeClr val="accent6"/>
+          </a:fillRef>
+          <a:effectRef idx="0">
+            <a:schemeClr val="accent6"/>
+          </a:effectRef>
+          <a:fontRef idx="minor">
+            <a:schemeClr val="lt1"/>
+          </a:fontRef>
+        </p:style>
+        <p:txBody>
+          <a:bodyPr rtlCol="0" anchor="ctr"/>
+          <a:lstStyle/>
+          <a:p>
+            <a:pPr algn="ctr"/>
+            <a:endParaRPr lang="en-GB" dirty="0"/>
+          </a:p>
+        </p:txBody>
+      </p:sp>
+      <p:grpSp>
+        <p:nvGrpSpPr>
+          <p:cNvPr id="38" name="Group 37">
+            <a:extLst>
+              <a:ext uri="{FF2B5EF4-FFF2-40B4-BE49-F238E27FC236}">
+                <a16:creationId xmlns:a16="http://schemas.microsoft.com/office/drawing/2014/main" id="{71F5BB4F-1A46-4671-80D5-212E82AC8584}"/>
+              </a:ext>
+            </a:extLst>
+          </p:cNvPr>
+          <p:cNvGrpSpPr/>
+          <p:nvPr/>
+        </p:nvGrpSpPr>
+        <p:grpSpPr>
+          <a:xfrm>
+            <a:off x="7559348" y="4268506"/>
+            <a:ext cx="1591773" cy="1784411"/>
+            <a:chOff x="9534617" y="4341181"/>
+            <a:chExt cx="1591773" cy="1784411"/>
+          </a:xfrm>
+        </p:grpSpPr>
+        <p:pic>
+          <p:nvPicPr>
+            <p:cNvPr id="39" name="Graphic 38" descr="Database">
+              <a:extLst>
+                <a:ext uri="{FF2B5EF4-FFF2-40B4-BE49-F238E27FC236}">
+                  <a16:creationId xmlns:a16="http://schemas.microsoft.com/office/drawing/2014/main" id="{2792AE6C-4468-4CA9-A2B6-9FC3B62BFBA5}"/>
+                </a:ext>
+              </a:extLst>
+            </p:cNvPr>
+            <p:cNvPicPr>
+              <a:picLocks noChangeAspect="1"/>
+            </p:cNvPicPr>
+            <p:nvPr/>
+          </p:nvPicPr>
+          <p:blipFill>
+            <a:blip r:embed="rId18">
+              <a:extLst>
+                <a:ext uri="{28A0092B-C50C-407E-A947-70E740481C1C}">
+                  <a14:useLocalDpi xmlns:a14="http://schemas.microsoft.com/office/drawing/2010/main" val="0"/>
+                </a:ext>
+                <a:ext uri="{96DAC541-7B7A-43D3-8B79-37D633B846F1}">
+                  <asvg:svgBlip xmlns:asvg="http://schemas.microsoft.com/office/drawing/2016/SVG/main" r:embed="rId19"/>
+                </a:ext>
+              </a:extLst>
+            </a:blip>
+            <a:stretch>
+              <a:fillRect/>
+            </a:stretch>
+          </p:blipFill>
+          <p:spPr>
+            <a:xfrm>
+              <a:off x="9877425" y="4648200"/>
+              <a:ext cx="914400" cy="914400"/>
+            </a:xfrm>
+            <a:prstGeom prst="rect">
+              <a:avLst/>
+            </a:prstGeom>
+          </p:spPr>
+        </p:pic>
+        <p:sp>
+          <p:nvSpPr>
+            <p:cNvPr id="40" name="Rectangle 39">
+              <a:extLst>
+                <a:ext uri="{FF2B5EF4-FFF2-40B4-BE49-F238E27FC236}">
+                  <a16:creationId xmlns:a16="http://schemas.microsoft.com/office/drawing/2014/main" id="{3B4987A0-49C4-4B55-917A-199B46027241}"/>
+                </a:ext>
+              </a:extLst>
+            </p:cNvPr>
+            <p:cNvSpPr/>
+            <p:nvPr/>
+          </p:nvSpPr>
+          <p:spPr>
+            <a:xfrm>
+              <a:off x="9534617" y="4341181"/>
+              <a:ext cx="1591773" cy="1784411"/>
+            </a:xfrm>
+            <a:prstGeom prst="rect">
+              <a:avLst/>
+            </a:prstGeom>
+            <a:noFill/>
+            <a:ln w="57150">
+              <a:solidFill>
+                <a:schemeClr val="accent6">
+                  <a:lumMod val="50000"/>
+                </a:schemeClr>
+              </a:solidFill>
+            </a:ln>
+          </p:spPr>
+          <p:style>
+            <a:lnRef idx="2">
+              <a:schemeClr val="accent1">
+                <a:shade val="50000"/>
+              </a:schemeClr>
+            </a:lnRef>
+            <a:fillRef idx="1">
+              <a:schemeClr val="accent1"/>
+            </a:fillRef>
+            <a:effectRef idx="0">
+              <a:schemeClr val="accent1"/>
+            </a:effectRef>
+            <a:fontRef idx="minor">
+              <a:schemeClr val="lt1"/>
+            </a:fontRef>
+          </p:style>
+          <p:txBody>
+            <a:bodyPr rtlCol="0" anchor="ctr"/>
+            <a:lstStyle/>
+            <a:p>
+              <a:pPr algn="ctr"/>
+              <a:endParaRPr lang="en-GB"/>
+            </a:p>
+          </p:txBody>
+        </p:sp>
+      </p:grpSp>
     </p:spTree>
     <p:extLst>
       <p:ext uri="{BB962C8B-B14F-4D97-AF65-F5344CB8AC3E}">

--- a/pwr_living_norway.pptx
+++ b/pwr_living_norway.pptx
@@ -273,7 +273,7 @@
           <a:p>
             <a:fld id="{8DFB0232-FD89-48C1-83CD-0EBF897E6097}" type="datetimeFigureOut">
               <a:rPr lang="en-GB" smtClean="0"/>
-              <a:t>09/10/2020</a:t>
+              <a:t>11/10/2020</a:t>
             </a:fld>
             <a:endParaRPr lang="en-GB"/>
           </a:p>
@@ -473,7 +473,7 @@
           <a:p>
             <a:fld id="{8DFB0232-FD89-48C1-83CD-0EBF897E6097}" type="datetimeFigureOut">
               <a:rPr lang="en-GB" smtClean="0"/>
-              <a:t>09/10/2020</a:t>
+              <a:t>11/10/2020</a:t>
             </a:fld>
             <a:endParaRPr lang="en-GB"/>
           </a:p>
@@ -683,7 +683,7 @@
           <a:p>
             <a:fld id="{8DFB0232-FD89-48C1-83CD-0EBF897E6097}" type="datetimeFigureOut">
               <a:rPr lang="en-GB" smtClean="0"/>
-              <a:t>09/10/2020</a:t>
+              <a:t>11/10/2020</a:t>
             </a:fld>
             <a:endParaRPr lang="en-GB"/>
           </a:p>
@@ -883,7 +883,7 @@
           <a:p>
             <a:fld id="{8DFB0232-FD89-48C1-83CD-0EBF897E6097}" type="datetimeFigureOut">
               <a:rPr lang="en-GB" smtClean="0"/>
-              <a:t>09/10/2020</a:t>
+              <a:t>11/10/2020</a:t>
             </a:fld>
             <a:endParaRPr lang="en-GB"/>
           </a:p>
@@ -1159,7 +1159,7 @@
           <a:p>
             <a:fld id="{8DFB0232-FD89-48C1-83CD-0EBF897E6097}" type="datetimeFigureOut">
               <a:rPr lang="en-GB" smtClean="0"/>
-              <a:t>09/10/2020</a:t>
+              <a:t>11/10/2020</a:t>
             </a:fld>
             <a:endParaRPr lang="en-GB"/>
           </a:p>
@@ -1427,7 +1427,7 @@
           <a:p>
             <a:fld id="{8DFB0232-FD89-48C1-83CD-0EBF897E6097}" type="datetimeFigureOut">
               <a:rPr lang="en-GB" smtClean="0"/>
-              <a:t>09/10/2020</a:t>
+              <a:t>11/10/2020</a:t>
             </a:fld>
             <a:endParaRPr lang="en-GB"/>
           </a:p>
@@ -1842,7 +1842,7 @@
           <a:p>
             <a:fld id="{8DFB0232-FD89-48C1-83CD-0EBF897E6097}" type="datetimeFigureOut">
               <a:rPr lang="en-GB" smtClean="0"/>
-              <a:t>09/10/2020</a:t>
+              <a:t>11/10/2020</a:t>
             </a:fld>
             <a:endParaRPr lang="en-GB"/>
           </a:p>
@@ -1984,7 +1984,7 @@
           <a:p>
             <a:fld id="{8DFB0232-FD89-48C1-83CD-0EBF897E6097}" type="datetimeFigureOut">
               <a:rPr lang="en-GB" smtClean="0"/>
-              <a:t>09/10/2020</a:t>
+              <a:t>11/10/2020</a:t>
             </a:fld>
             <a:endParaRPr lang="en-GB"/>
           </a:p>
@@ -2097,7 +2097,7 @@
           <a:p>
             <a:fld id="{8DFB0232-FD89-48C1-83CD-0EBF897E6097}" type="datetimeFigureOut">
               <a:rPr lang="en-GB" smtClean="0"/>
-              <a:t>09/10/2020</a:t>
+              <a:t>11/10/2020</a:t>
             </a:fld>
             <a:endParaRPr lang="en-GB"/>
           </a:p>
@@ -2410,7 +2410,7 @@
           <a:p>
             <a:fld id="{8DFB0232-FD89-48C1-83CD-0EBF897E6097}" type="datetimeFigureOut">
               <a:rPr lang="en-GB" smtClean="0"/>
-              <a:t>09/10/2020</a:t>
+              <a:t>11/10/2020</a:t>
             </a:fld>
             <a:endParaRPr lang="en-GB"/>
           </a:p>
@@ -2699,7 +2699,7 @@
           <a:p>
             <a:fld id="{8DFB0232-FD89-48C1-83CD-0EBF897E6097}" type="datetimeFigureOut">
               <a:rPr lang="en-GB" smtClean="0"/>
-              <a:t>09/10/2020</a:t>
+              <a:t>11/10/2020</a:t>
             </a:fld>
             <a:endParaRPr lang="en-GB"/>
           </a:p>
@@ -2942,7 +2942,7 @@
           <a:p>
             <a:fld id="{8DFB0232-FD89-48C1-83CD-0EBF897E6097}" type="datetimeFigureOut">
               <a:rPr lang="en-GB" smtClean="0"/>
-              <a:t>09/10/2020</a:t>
+              <a:t>11/10/2020</a:t>
             </a:fld>
             <a:endParaRPr lang="en-GB"/>
           </a:p>
@@ -3902,7 +3902,7 @@
         </p:nvGrpSpPr>
         <p:grpSpPr>
           <a:xfrm>
-            <a:off x="9000188" y="4565619"/>
+            <a:off x="6875343" y="4912588"/>
             <a:ext cx="1591773" cy="1784411"/>
             <a:chOff x="9534617" y="4341181"/>
             <a:chExt cx="1591773" cy="1784411"/>
@@ -4166,9 +4166,9 @@
           <p:nvPr/>
         </p:nvSpPr>
         <p:spPr>
-          <a:xfrm rot="2290337">
-            <a:off x="6753571" y="4208531"/>
-            <a:ext cx="2192021" cy="602595"/>
+          <a:xfrm rot="5400000">
+            <a:off x="6973983" y="4030884"/>
+            <a:ext cx="1247371" cy="383204"/>
           </a:xfrm>
           <a:prstGeom prst="rightArrow">
             <a:avLst/>
@@ -4271,7 +4271,7 @@
         </p:nvCxnSpPr>
         <p:spPr>
           <a:xfrm>
-            <a:off x="5041392" y="3645408"/>
+            <a:off x="10154930" y="2837617"/>
             <a:ext cx="0" cy="920211"/>
           </a:xfrm>
           <a:prstGeom prst="straightConnector1">
@@ -4310,7 +4310,7 @@
         </p:nvSpPr>
         <p:spPr>
           <a:xfrm>
-            <a:off x="4171385" y="4604681"/>
+            <a:off x="9284923" y="3788163"/>
             <a:ext cx="1740014" cy="646331"/>
           </a:xfrm>
           <a:prstGeom prst="rect">
